--- a/presentation.pptx
+++ b/presentation.pptx
@@ -7,10 +7,14 @@
   <p:sldIdLst>
     <p:sldId id="256" r:id="rId2"/>
     <p:sldId id="257" r:id="rId3"/>
-    <p:sldId id="258" r:id="rId4"/>
-    <p:sldId id="259" r:id="rId5"/>
-    <p:sldId id="260" r:id="rId6"/>
-    <p:sldId id="261" r:id="rId7"/>
+    <p:sldId id="263" r:id="rId4"/>
+    <p:sldId id="264" r:id="rId5"/>
+    <p:sldId id="262" r:id="rId6"/>
+    <p:sldId id="265" r:id="rId7"/>
+    <p:sldId id="258" r:id="rId8"/>
+    <p:sldId id="259" r:id="rId9"/>
+    <p:sldId id="260" r:id="rId10"/>
+    <p:sldId id="261" r:id="rId11"/>
   </p:sldIdLst>
   <p:sldSz cx="12192000" cy="6858000"/>
   <p:notesSz cx="6858000" cy="9144000"/>
@@ -303,7 +307,7 @@
           <a:p>
             <a:fld id="{F7EE7341-B274-428F-AAF5-E0FD15FEAE08}" type="datetimeFigureOut">
               <a:rPr lang="en-US" smtClean="0"/>
-              <a:t>4/24/2023</a:t>
+              <a:t>4/26/2023</a:t>
             </a:fld>
             <a:endParaRPr lang="en-US"/>
           </a:p>
@@ -578,7 +582,7 @@
           <a:p>
             <a:fld id="{F7EE7341-B274-428F-AAF5-E0FD15FEAE08}" type="datetimeFigureOut">
               <a:rPr lang="en-US" smtClean="0"/>
-              <a:t>4/24/2023</a:t>
+              <a:t>4/26/2023</a:t>
             </a:fld>
             <a:endParaRPr lang="en-US"/>
           </a:p>
@@ -772,7 +776,7 @@
           <a:p>
             <a:fld id="{F7EE7341-B274-428F-AAF5-E0FD15FEAE08}" type="datetimeFigureOut">
               <a:rPr lang="en-US" smtClean="0"/>
-              <a:t>4/24/2023</a:t>
+              <a:t>4/26/2023</a:t>
             </a:fld>
             <a:endParaRPr lang="en-US"/>
           </a:p>
@@ -1045,7 +1049,7 @@
           <a:p>
             <a:fld id="{F7EE7341-B274-428F-AAF5-E0FD15FEAE08}" type="datetimeFigureOut">
               <a:rPr lang="en-US" smtClean="0"/>
-              <a:t>4/24/2023</a:t>
+              <a:t>4/26/2023</a:t>
             </a:fld>
             <a:endParaRPr lang="en-US"/>
           </a:p>
@@ -1386,7 +1390,7 @@
           <a:p>
             <a:fld id="{F7EE7341-B274-428F-AAF5-E0FD15FEAE08}" type="datetimeFigureOut">
               <a:rPr lang="en-US" smtClean="0"/>
-              <a:t>4/24/2023</a:t>
+              <a:t>4/26/2023</a:t>
             </a:fld>
             <a:endParaRPr lang="en-US"/>
           </a:p>
@@ -2009,7 +2013,7 @@
           <a:p>
             <a:fld id="{F7EE7341-B274-428F-AAF5-E0FD15FEAE08}" type="datetimeFigureOut">
               <a:rPr lang="en-US" smtClean="0"/>
-              <a:t>4/24/2023</a:t>
+              <a:t>4/26/2023</a:t>
             </a:fld>
             <a:endParaRPr lang="en-US"/>
           </a:p>
@@ -2869,7 +2873,7 @@
           <a:p>
             <a:fld id="{F7EE7341-B274-428F-AAF5-E0FD15FEAE08}" type="datetimeFigureOut">
               <a:rPr lang="en-US" smtClean="0"/>
-              <a:t>4/24/2023</a:t>
+              <a:t>4/26/2023</a:t>
             </a:fld>
             <a:endParaRPr lang="en-US"/>
           </a:p>
@@ -3039,7 +3043,7 @@
           <a:p>
             <a:fld id="{F7EE7341-B274-428F-AAF5-E0FD15FEAE08}" type="datetimeFigureOut">
               <a:rPr lang="en-US" smtClean="0"/>
-              <a:t>4/24/2023</a:t>
+              <a:t>4/26/2023</a:t>
             </a:fld>
             <a:endParaRPr lang="en-US"/>
           </a:p>
@@ -3219,7 +3223,7 @@
           <a:p>
             <a:fld id="{F7EE7341-B274-428F-AAF5-E0FD15FEAE08}" type="datetimeFigureOut">
               <a:rPr lang="en-US" smtClean="0"/>
-              <a:t>4/24/2023</a:t>
+              <a:t>4/26/2023</a:t>
             </a:fld>
             <a:endParaRPr lang="en-US"/>
           </a:p>
@@ -3389,7 +3393,7 @@
           <a:p>
             <a:fld id="{F7EE7341-B274-428F-AAF5-E0FD15FEAE08}" type="datetimeFigureOut">
               <a:rPr lang="en-US" smtClean="0"/>
-              <a:t>4/24/2023</a:t>
+              <a:t>4/26/2023</a:t>
             </a:fld>
             <a:endParaRPr lang="en-US"/>
           </a:p>
@@ -3636,7 +3640,7 @@
           <a:p>
             <a:fld id="{F7EE7341-B274-428F-AAF5-E0FD15FEAE08}" type="datetimeFigureOut">
               <a:rPr lang="en-US" smtClean="0"/>
-              <a:t>4/24/2023</a:t>
+              <a:t>4/26/2023</a:t>
             </a:fld>
             <a:endParaRPr lang="en-US"/>
           </a:p>
@@ -3928,7 +3932,7 @@
           <a:p>
             <a:fld id="{F7EE7341-B274-428F-AAF5-E0FD15FEAE08}" type="datetimeFigureOut">
               <a:rPr lang="en-US" smtClean="0"/>
-              <a:t>4/24/2023</a:t>
+              <a:t>4/26/2023</a:t>
             </a:fld>
             <a:endParaRPr lang="en-US"/>
           </a:p>
@@ -4372,7 +4376,7 @@
           <a:p>
             <a:fld id="{F7EE7341-B274-428F-AAF5-E0FD15FEAE08}" type="datetimeFigureOut">
               <a:rPr lang="en-US" smtClean="0"/>
-              <a:t>4/24/2023</a:t>
+              <a:t>4/26/2023</a:t>
             </a:fld>
             <a:endParaRPr lang="en-US"/>
           </a:p>
@@ -4490,7 +4494,7 @@
           <a:p>
             <a:fld id="{F7EE7341-B274-428F-AAF5-E0FD15FEAE08}" type="datetimeFigureOut">
               <a:rPr lang="en-US" smtClean="0"/>
-              <a:t>4/24/2023</a:t>
+              <a:t>4/26/2023</a:t>
             </a:fld>
             <a:endParaRPr lang="en-US"/>
           </a:p>
@@ -4585,7 +4589,7 @@
           <a:p>
             <a:fld id="{F7EE7341-B274-428F-AAF5-E0FD15FEAE08}" type="datetimeFigureOut">
               <a:rPr lang="en-US" smtClean="0"/>
-              <a:t>4/24/2023</a:t>
+              <a:t>4/26/2023</a:t>
             </a:fld>
             <a:endParaRPr lang="en-US"/>
           </a:p>
@@ -4864,7 +4868,7 @@
           <a:p>
             <a:fld id="{F7EE7341-B274-428F-AAF5-E0FD15FEAE08}" type="datetimeFigureOut">
               <a:rPr lang="en-US" smtClean="0"/>
-              <a:t>4/24/2023</a:t>
+              <a:t>4/26/2023</a:t>
             </a:fld>
             <a:endParaRPr lang="en-US"/>
           </a:p>
@@ -5139,7 +5143,7 @@
           <a:p>
             <a:fld id="{F7EE7341-B274-428F-AAF5-E0FD15FEAE08}" type="datetimeFigureOut">
               <a:rPr lang="en-US" smtClean="0"/>
-              <a:t>4/24/2023</a:t>
+              <a:t>4/26/2023</a:t>
             </a:fld>
             <a:endParaRPr lang="en-US"/>
           </a:p>
@@ -5568,7 +5572,7 @@
           <a:p>
             <a:fld id="{F7EE7341-B274-428F-AAF5-E0FD15FEAE08}" type="datetimeFigureOut">
               <a:rPr lang="en-US" smtClean="0"/>
-              <a:t>4/24/2023</a:t>
+              <a:t>4/26/2023</a:t>
             </a:fld>
             <a:endParaRPr lang="en-US"/>
           </a:p>
@@ -6186,6 +6190,83 @@
 </p:sld>
 </file>
 
+<file path=ppt/slides/slide10.xml><?xml version="1.0" encoding="utf-8"?>
+<p:sld xmlns:a="http://schemas.openxmlformats.org/drawingml/2006/main" xmlns:r="http://schemas.openxmlformats.org/officeDocument/2006/relationships" xmlns:p="http://schemas.openxmlformats.org/presentationml/2006/main">
+  <p:cSld>
+    <p:spTree>
+      <p:nvGrpSpPr>
+        <p:cNvPr id="1" name=""/>
+        <p:cNvGrpSpPr/>
+        <p:nvPr/>
+      </p:nvGrpSpPr>
+      <p:grpSpPr>
+        <a:xfrm>
+          <a:off x="0" y="0"/>
+          <a:ext cx="0" cy="0"/>
+          <a:chOff x="0" y="0"/>
+          <a:chExt cx="0" cy="0"/>
+        </a:xfrm>
+      </p:grpSpPr>
+      <p:sp>
+        <p:nvSpPr>
+          <p:cNvPr id="2" name="Title 1"/>
+          <p:cNvSpPr>
+            <a:spLocks noGrp="1"/>
+          </p:cNvSpPr>
+          <p:nvPr>
+            <p:ph type="title"/>
+          </p:nvPr>
+        </p:nvSpPr>
+        <p:spPr/>
+        <p:txBody>
+          <a:bodyPr/>
+          <a:lstStyle/>
+          <a:p>
+            <a:r>
+              <a:rPr lang="en-US" dirty="0" smtClean="0"/>
+              <a:t>Database</a:t>
+            </a:r>
+            <a:endParaRPr lang="en-US" dirty="0"/>
+          </a:p>
+        </p:txBody>
+      </p:sp>
+      <p:pic>
+        <p:nvPicPr>
+          <p:cNvPr id="5" name="Picture 4"/>
+          <p:cNvPicPr>
+            <a:picLocks noChangeAspect="1"/>
+          </p:cNvPicPr>
+          <p:nvPr/>
+        </p:nvPicPr>
+        <p:blipFill>
+          <a:blip r:embed="rId2"/>
+          <a:stretch>
+            <a:fillRect/>
+          </a:stretch>
+        </p:blipFill>
+        <p:spPr>
+          <a:xfrm>
+            <a:off x="2264518" y="1456156"/>
+            <a:ext cx="6167907" cy="4961270"/>
+          </a:xfrm>
+          <a:prstGeom prst="rect">
+            <a:avLst/>
+          </a:prstGeom>
+        </p:spPr>
+      </p:pic>
+    </p:spTree>
+    <p:extLst>
+      <p:ext uri="{BB962C8B-B14F-4D97-AF65-F5344CB8AC3E}">
+        <p14:creationId xmlns:p14="http://schemas.microsoft.com/office/powerpoint/2010/main" val="450883063"/>
+      </p:ext>
+    </p:extLst>
+  </p:cSld>
+  <p:clrMapOvr>
+    <a:masterClrMapping/>
+  </p:clrMapOvr>
+</p:sld>
+</file>
+
 <file path=ppt/slides/slide2.xml><?xml version="1.0" encoding="utf-8"?>
 <p:sld xmlns:a="http://schemas.openxmlformats.org/drawingml/2006/main" xmlns:r="http://schemas.openxmlformats.org/officeDocument/2006/relationships" xmlns:p="http://schemas.openxmlformats.org/presentationml/2006/main">
   <p:cSld>
@@ -6296,6 +6377,607 @@
 </file>
 
 <file path=ppt/slides/slide3.xml><?xml version="1.0" encoding="utf-8"?>
+<p:sld xmlns:a="http://schemas.openxmlformats.org/drawingml/2006/main" xmlns:r="http://schemas.openxmlformats.org/officeDocument/2006/relationships" xmlns:p="http://schemas.openxmlformats.org/presentationml/2006/main">
+  <p:cSld>
+    <p:spTree>
+      <p:nvGrpSpPr>
+        <p:cNvPr id="1" name=""/>
+        <p:cNvGrpSpPr/>
+        <p:nvPr/>
+      </p:nvGrpSpPr>
+      <p:grpSpPr>
+        <a:xfrm>
+          <a:off x="0" y="0"/>
+          <a:ext cx="0" cy="0"/>
+          <a:chOff x="0" y="0"/>
+          <a:chExt cx="0" cy="0"/>
+        </a:xfrm>
+      </p:grpSpPr>
+      <p:sp>
+        <p:nvSpPr>
+          <p:cNvPr id="2" name="Title 1"/>
+          <p:cNvSpPr>
+            <a:spLocks noGrp="1"/>
+          </p:cNvSpPr>
+          <p:nvPr>
+            <p:ph type="ctrTitle"/>
+          </p:nvPr>
+        </p:nvSpPr>
+        <p:spPr/>
+        <p:txBody>
+          <a:bodyPr/>
+          <a:lstStyle/>
+          <a:p>
+            <a:r>
+              <a:rPr lang="en-US" dirty="0" smtClean="0"/>
+              <a:t>WHAT IS CI/CD?</a:t>
+            </a:r>
+            <a:endParaRPr lang="en-US" dirty="0"/>
+          </a:p>
+        </p:txBody>
+      </p:sp>
+      <p:sp>
+        <p:nvSpPr>
+          <p:cNvPr id="3" name="Subtitle 2"/>
+          <p:cNvSpPr>
+            <a:spLocks noGrp="1"/>
+          </p:cNvSpPr>
+          <p:nvPr>
+            <p:ph type="subTitle" idx="1"/>
+          </p:nvPr>
+        </p:nvSpPr>
+        <p:spPr/>
+        <p:txBody>
+          <a:bodyPr/>
+          <a:lstStyle/>
+          <a:p>
+            <a:endParaRPr lang="en-US" dirty="0"/>
+          </a:p>
+        </p:txBody>
+      </p:sp>
+    </p:spTree>
+    <p:extLst>
+      <p:ext uri="{BB962C8B-B14F-4D97-AF65-F5344CB8AC3E}">
+        <p14:creationId xmlns:p14="http://schemas.microsoft.com/office/powerpoint/2010/main" val="852690164"/>
+      </p:ext>
+    </p:extLst>
+  </p:cSld>
+  <p:clrMapOvr>
+    <a:masterClrMapping/>
+  </p:clrMapOvr>
+  <p:timing>
+    <p:tnLst>
+      <p:par>
+        <p:cTn id="1" dur="indefinite" restart="never" nodeType="tmRoot"/>
+      </p:par>
+    </p:tnLst>
+  </p:timing>
+</p:sld>
+</file>
+
+<file path=ppt/slides/slide4.xml><?xml version="1.0" encoding="utf-8"?>
+<p:sld xmlns:a="http://schemas.openxmlformats.org/drawingml/2006/main" xmlns:r="http://schemas.openxmlformats.org/officeDocument/2006/relationships" xmlns:p="http://schemas.openxmlformats.org/presentationml/2006/main">
+  <p:cSld>
+    <p:spTree>
+      <p:nvGrpSpPr>
+        <p:cNvPr id="1" name=""/>
+        <p:cNvGrpSpPr/>
+        <p:nvPr/>
+      </p:nvGrpSpPr>
+      <p:grpSpPr>
+        <a:xfrm>
+          <a:off x="0" y="0"/>
+          <a:ext cx="0" cy="0"/>
+          <a:chOff x="0" y="0"/>
+          <a:chExt cx="0" cy="0"/>
+        </a:xfrm>
+      </p:grpSpPr>
+      <p:sp>
+        <p:nvSpPr>
+          <p:cNvPr id="2" name="Title 1"/>
+          <p:cNvSpPr>
+            <a:spLocks noGrp="1"/>
+          </p:cNvSpPr>
+          <p:nvPr>
+            <p:ph type="title"/>
+          </p:nvPr>
+        </p:nvSpPr>
+        <p:spPr/>
+        <p:txBody>
+          <a:bodyPr/>
+          <a:lstStyle/>
+          <a:p>
+            <a:r>
+              <a:rPr lang="en-US" dirty="0" smtClean="0"/>
+              <a:t>CI/CD</a:t>
+            </a:r>
+            <a:endParaRPr lang="en-US" dirty="0"/>
+          </a:p>
+        </p:txBody>
+      </p:sp>
+      <p:sp>
+        <p:nvSpPr>
+          <p:cNvPr id="3" name="Content Placeholder 2"/>
+          <p:cNvSpPr>
+            <a:spLocks noGrp="1"/>
+          </p:cNvSpPr>
+          <p:nvPr>
+            <p:ph idx="1"/>
+          </p:nvPr>
+        </p:nvSpPr>
+        <p:spPr>
+          <a:xfrm>
+            <a:off x="1103312" y="2052918"/>
+            <a:ext cx="8136941" cy="3447289"/>
+          </a:xfrm>
+        </p:spPr>
+        <p:txBody>
+          <a:bodyPr>
+            <a:normAutofit fontScale="85000" lnSpcReduction="20000"/>
+          </a:bodyPr>
+          <a:lstStyle/>
+          <a:p>
+            <a:r>
+              <a:rPr lang="en-US" b="1" dirty="0"/>
+              <a:t>Continuous integration (CI)</a:t>
+            </a:r>
+            <a:r>
+              <a:rPr lang="en-US" dirty="0"/>
+              <a:t> is a software development process where teams integrate code early and often into a central repository where they can run frequent tests and validate changes.</a:t>
+            </a:r>
+          </a:p>
+          <a:p>
+            <a:r>
+              <a:rPr lang="en-US" dirty="0"/>
+              <a:t>CI reduces the amount of time spent on bug fixes and regression testing and ensures that everyone has a deep understanding of what’s happening inside the codebase and what features they’re developing for end-users.</a:t>
+            </a:r>
+          </a:p>
+          <a:p>
+            <a:r>
+              <a:rPr lang="en-US" b="1" dirty="0"/>
+              <a:t>Continuous Delivery (CD)</a:t>
+            </a:r>
+            <a:r>
+              <a:rPr lang="en-US" dirty="0"/>
+              <a:t> is the practice of getting all updates, fixes, features, and configuration changes either into production or into the hands of end-users as quickly (and safely) as possible.</a:t>
+            </a:r>
+          </a:p>
+          <a:p>
+            <a:r>
+              <a:rPr lang="en-US" dirty="0"/>
+              <a:t>CD aims to ensure that the code is always in a deployable state, even with developers making continuous updates to the codebase by bringing integration and testing together</a:t>
+            </a:r>
+            <a:r>
+              <a:rPr lang="en-US" dirty="0" smtClean="0"/>
+              <a:t>.</a:t>
+            </a:r>
+            <a:endParaRPr lang="en-US" dirty="0"/>
+          </a:p>
+        </p:txBody>
+      </p:sp>
+    </p:spTree>
+    <p:extLst>
+      <p:ext uri="{BB962C8B-B14F-4D97-AF65-F5344CB8AC3E}">
+        <p14:creationId xmlns:p14="http://schemas.microsoft.com/office/powerpoint/2010/main" val="3871322562"/>
+      </p:ext>
+    </p:extLst>
+  </p:cSld>
+  <p:clrMapOvr>
+    <a:masterClrMapping/>
+  </p:clrMapOvr>
+</p:sld>
+</file>
+
+<file path=ppt/slides/slide5.xml><?xml version="1.0" encoding="utf-8"?>
+<p:sld xmlns:a="http://schemas.openxmlformats.org/drawingml/2006/main" xmlns:r="http://schemas.openxmlformats.org/officeDocument/2006/relationships" xmlns:p="http://schemas.openxmlformats.org/presentationml/2006/main">
+  <p:cSld>
+    <p:spTree>
+      <p:nvGrpSpPr>
+        <p:cNvPr id="1" name=""/>
+        <p:cNvGrpSpPr/>
+        <p:nvPr/>
+      </p:nvGrpSpPr>
+      <p:grpSpPr>
+        <a:xfrm>
+          <a:off x="0" y="0"/>
+          <a:ext cx="0" cy="0"/>
+          <a:chOff x="0" y="0"/>
+          <a:chExt cx="0" cy="0"/>
+        </a:xfrm>
+      </p:grpSpPr>
+      <p:sp>
+        <p:nvSpPr>
+          <p:cNvPr id="2" name="Title 1"/>
+          <p:cNvSpPr>
+            <a:spLocks noGrp="1"/>
+          </p:cNvSpPr>
+          <p:nvPr>
+            <p:ph type="title"/>
+          </p:nvPr>
+        </p:nvSpPr>
+        <p:spPr/>
+        <p:txBody>
+          <a:bodyPr/>
+          <a:lstStyle/>
+          <a:p>
+            <a:r>
+              <a:rPr lang="en-US" dirty="0" smtClean="0"/>
+              <a:t>CI/CD Phases</a:t>
+            </a:r>
+            <a:endParaRPr lang="en-US" dirty="0"/>
+          </a:p>
+        </p:txBody>
+      </p:sp>
+      <p:sp>
+        <p:nvSpPr>
+          <p:cNvPr id="3" name="Content Placeholder 2"/>
+          <p:cNvSpPr>
+            <a:spLocks noGrp="1"/>
+          </p:cNvSpPr>
+          <p:nvPr>
+            <p:ph idx="1"/>
+          </p:nvPr>
+        </p:nvSpPr>
+        <p:spPr>
+          <a:xfrm>
+            <a:off x="1111333" y="2221360"/>
+            <a:ext cx="5578225" cy="3447289"/>
+          </a:xfrm>
+        </p:spPr>
+        <p:txBody>
+          <a:bodyPr>
+            <a:normAutofit/>
+          </a:bodyPr>
+          <a:lstStyle/>
+          <a:p>
+            <a:r>
+              <a:rPr lang="en-US" dirty="0" smtClean="0"/>
+              <a:t>Build</a:t>
+            </a:r>
+          </a:p>
+          <a:p>
+            <a:r>
+              <a:rPr lang="en-US" dirty="0" smtClean="0"/>
+              <a:t>Test</a:t>
+            </a:r>
+          </a:p>
+          <a:p>
+            <a:r>
+              <a:rPr lang="en-US" dirty="0" smtClean="0"/>
+              <a:t>Release</a:t>
+            </a:r>
+          </a:p>
+          <a:p>
+            <a:r>
+              <a:rPr lang="en-US" dirty="0" smtClean="0"/>
+              <a:t>Deploy</a:t>
+            </a:r>
+          </a:p>
+          <a:p>
+            <a:r>
+              <a:rPr lang="en-US" dirty="0" smtClean="0"/>
+              <a:t>Validate</a:t>
+            </a:r>
+          </a:p>
+        </p:txBody>
+      </p:sp>
+      <p:pic>
+        <p:nvPicPr>
+          <p:cNvPr id="1026" name="Picture 2" descr="What is CI/CD?"/>
+          <p:cNvPicPr>
+            <a:picLocks noChangeAspect="1" noChangeArrowheads="1"/>
+          </p:cNvPicPr>
+          <p:nvPr/>
+        </p:nvPicPr>
+        <p:blipFill>
+          <a:blip r:embed="rId2">
+            <a:extLst>
+              <a:ext uri="{28A0092B-C50C-407E-A947-70E740481C1C}">
+                <a14:useLocalDpi xmlns:a14="http://schemas.microsoft.com/office/drawing/2010/main" val="0"/>
+              </a:ext>
+            </a:extLst>
+          </a:blip>
+          <a:srcRect/>
+          <a:stretch>
+            <a:fillRect/>
+          </a:stretch>
+        </p:blipFill>
+        <p:spPr bwMode="auto">
+          <a:xfrm>
+            <a:off x="5165558" y="2587189"/>
+            <a:ext cx="4969878" cy="2378745"/>
+          </a:xfrm>
+          <a:prstGeom prst="rect">
+            <a:avLst/>
+          </a:prstGeom>
+          <a:noFill/>
+          <a:extLst>
+            <a:ext uri="{909E8E84-426E-40DD-AFC4-6F175D3DCCD1}">
+              <a14:hiddenFill xmlns:a14="http://schemas.microsoft.com/office/drawing/2010/main">
+                <a:solidFill>
+                  <a:srgbClr val="FFFFFF"/>
+                </a:solidFill>
+              </a14:hiddenFill>
+            </a:ext>
+          </a:extLst>
+        </p:spPr>
+      </p:pic>
+      <p:sp>
+        <p:nvSpPr>
+          <p:cNvPr id="4" name="TextBox 3"/>
+          <p:cNvSpPr txBox="1"/>
+          <p:nvPr/>
+        </p:nvSpPr>
+        <p:spPr>
+          <a:xfrm>
+            <a:off x="646111" y="1658720"/>
+            <a:ext cx="8598569" cy="923330"/>
+          </a:xfrm>
+          <a:prstGeom prst="rect">
+            <a:avLst/>
+          </a:prstGeom>
+          <a:noFill/>
+        </p:spPr>
+        <p:txBody>
+          <a:bodyPr wrap="square" rtlCol="0">
+            <a:spAutoFit/>
+          </a:bodyPr>
+          <a:lstStyle/>
+          <a:p>
+            <a:r>
+              <a:rPr lang="en-US" dirty="0"/>
+              <a:t>The CI/CD pipeline typically breaks down into the following stages:</a:t>
+            </a:r>
+          </a:p>
+          <a:p>
+            <a:r>
+              <a:rPr lang="en-US" dirty="0"/>
+              <a:t/>
+            </a:r>
+            <a:br>
+              <a:rPr lang="en-US" dirty="0"/>
+            </a:br>
+            <a:endParaRPr lang="en-US" dirty="0"/>
+          </a:p>
+        </p:txBody>
+      </p:sp>
+    </p:spTree>
+    <p:extLst>
+      <p:ext uri="{BB962C8B-B14F-4D97-AF65-F5344CB8AC3E}">
+        <p14:creationId xmlns:p14="http://schemas.microsoft.com/office/powerpoint/2010/main" val="3182532877"/>
+      </p:ext>
+    </p:extLst>
+  </p:cSld>
+  <p:clrMapOvr>
+    <a:masterClrMapping/>
+  </p:clrMapOvr>
+</p:sld>
+</file>
+
+<file path=ppt/slides/slide6.xml><?xml version="1.0" encoding="utf-8"?>
+<p:sld xmlns:a="http://schemas.openxmlformats.org/drawingml/2006/main" xmlns:r="http://schemas.openxmlformats.org/officeDocument/2006/relationships" xmlns:p="http://schemas.openxmlformats.org/presentationml/2006/main">
+  <p:cSld>
+    <p:spTree>
+      <p:nvGrpSpPr>
+        <p:cNvPr id="1" name=""/>
+        <p:cNvGrpSpPr/>
+        <p:nvPr/>
+      </p:nvGrpSpPr>
+      <p:grpSpPr>
+        <a:xfrm>
+          <a:off x="0" y="0"/>
+          <a:ext cx="0" cy="0"/>
+          <a:chOff x="0" y="0"/>
+          <a:chExt cx="0" cy="0"/>
+        </a:xfrm>
+      </p:grpSpPr>
+      <p:sp>
+        <p:nvSpPr>
+          <p:cNvPr id="2" name="Title 1"/>
+          <p:cNvSpPr>
+            <a:spLocks noGrp="1"/>
+          </p:cNvSpPr>
+          <p:nvPr>
+            <p:ph type="title"/>
+          </p:nvPr>
+        </p:nvSpPr>
+        <p:spPr/>
+        <p:txBody>
+          <a:bodyPr/>
+          <a:lstStyle/>
+          <a:p>
+            <a:r>
+              <a:rPr lang="en-US" dirty="0"/>
+              <a:t>What are the benefits of CI/CD?</a:t>
+            </a:r>
+            <a:br>
+              <a:rPr lang="en-US" dirty="0"/>
+            </a:br>
+            <a:r>
+              <a:rPr lang="en-US" dirty="0"/>
+              <a:t/>
+            </a:r>
+            <a:br>
+              <a:rPr lang="en-US" dirty="0"/>
+            </a:br>
+            <a:endParaRPr lang="en-US" dirty="0"/>
+          </a:p>
+        </p:txBody>
+      </p:sp>
+      <p:sp>
+        <p:nvSpPr>
+          <p:cNvPr id="3" name="Content Placeholder 2"/>
+          <p:cNvSpPr>
+            <a:spLocks noGrp="1"/>
+          </p:cNvSpPr>
+          <p:nvPr>
+            <p:ph idx="1"/>
+          </p:nvPr>
+        </p:nvSpPr>
+        <p:spPr>
+          <a:xfrm>
+            <a:off x="1103312" y="2052918"/>
+            <a:ext cx="8946541" cy="4516324"/>
+          </a:xfrm>
+        </p:spPr>
+        <p:txBody>
+          <a:bodyPr>
+            <a:noAutofit/>
+          </a:bodyPr>
+          <a:lstStyle/>
+          <a:p>
+            <a:r>
+              <a:rPr lang="en-US" b="1" dirty="0"/>
+              <a:t>Bring Products to Market Faster</a:t>
+            </a:r>
+          </a:p>
+          <a:p>
+            <a:r>
+              <a:rPr lang="en-US" b="1" dirty="0"/>
+              <a:t>Allows Developers to Deliver Products Consumers Want Now.</a:t>
+            </a:r>
+          </a:p>
+          <a:p>
+            <a:r>
+              <a:rPr lang="en-US" b="1" dirty="0"/>
+              <a:t>CI/CD enables organizations to respond to consumer needs as they evolve.</a:t>
+            </a:r>
+          </a:p>
+          <a:p>
+            <a:r>
+              <a:rPr lang="en-US" b="1" dirty="0"/>
+              <a:t>CI/CD plays a crucial role in shortening time to value.</a:t>
+            </a:r>
+          </a:p>
+          <a:p>
+            <a:r>
+              <a:rPr lang="en-US" b="1" dirty="0"/>
+              <a:t>CI/CD supports customer outcomes from a technical standpoint.</a:t>
+            </a:r>
+          </a:p>
+          <a:p>
+            <a:r>
+              <a:rPr lang="en-US" sz="1800" dirty="0"/>
+              <a:t/>
+            </a:r>
+            <a:br>
+              <a:rPr lang="en-US" sz="1800" dirty="0"/>
+            </a:br>
+            <a:r>
+              <a:rPr lang="en-US" sz="1800" dirty="0"/>
+              <a:t/>
+            </a:r>
+            <a:br>
+              <a:rPr lang="en-US" sz="1800" dirty="0"/>
+            </a:br>
+            <a:r>
+              <a:rPr lang="en-US" sz="1800" dirty="0"/>
+              <a:t/>
+            </a:r>
+            <a:br>
+              <a:rPr lang="en-US" sz="1800" dirty="0"/>
+            </a:br>
+            <a:r>
+              <a:rPr lang="en-US" sz="1800" dirty="0"/>
+              <a:t/>
+            </a:r>
+            <a:br>
+              <a:rPr lang="en-US" sz="1800" dirty="0"/>
+            </a:br>
+            <a:r>
+              <a:rPr lang="en-US" sz="1800" dirty="0"/>
+              <a:t/>
+            </a:r>
+            <a:br>
+              <a:rPr lang="en-US" sz="1800" dirty="0"/>
+            </a:br>
+            <a:r>
+              <a:rPr lang="en-US" sz="1800" dirty="0"/>
+              <a:t>CI/CD </a:t>
+            </a:r>
+            <a:r>
+              <a:rPr lang="en-US" sz="1800" dirty="0"/>
+              <a:t>pipelines enable a much shorter time to market for new product features, creating happier customers and lowering strain on development.</a:t>
+            </a:r>
+          </a:p>
+          <a:p>
+            <a:r>
+              <a:rPr lang="en-US" sz="1800" dirty="0"/>
+              <a:t>The great increase in overall speed of delivery enabled by CI/CD pipelines improves an organization’s competitive edge.</a:t>
+            </a:r>
+          </a:p>
+          <a:p>
+            <a:r>
+              <a:rPr lang="en-US" sz="1800" dirty="0"/>
+              <a:t>Automation frees team members to focus on what they do best, yielding the best end products.</a:t>
+            </a:r>
+          </a:p>
+          <a:p>
+            <a:r>
+              <a:rPr lang="en-US" sz="1800" dirty="0"/>
+              <a:t>Organizations with a successful CI/CD pipeline can attract great talent. By moving away from traditional </a:t>
+            </a:r>
+            <a:r>
+              <a:rPr lang="en-US" sz="1800" dirty="0">
+                <a:hlinkClick r:id="rId2"/>
+              </a:rPr>
+              <a:t>waterfall methods</a:t>
+            </a:r>
+            <a:r>
+              <a:rPr lang="en-US" sz="1800" dirty="0"/>
+              <a:t>, engineers and developers are no longer bogged down with repetitive activities that are often highly dependent on the completion of other tasks. </a:t>
+            </a:r>
+          </a:p>
+          <a:p>
+            <a:pPr marL="0" indent="0">
+              <a:buNone/>
+            </a:pPr>
+            <a:r>
+              <a:rPr lang="en-US" sz="1800" dirty="0"/>
+              <a:t/>
+            </a:r>
+            <a:br>
+              <a:rPr lang="en-US" sz="1800" dirty="0"/>
+            </a:br>
+            <a:r>
+              <a:rPr lang="en-US" sz="1800" dirty="0" smtClean="0"/>
+              <a:t/>
+            </a:r>
+            <a:br>
+              <a:rPr lang="en-US" sz="1800" dirty="0" smtClean="0"/>
+            </a:br>
+            <a:r>
+              <a:rPr lang="en-US" sz="1800" dirty="0" smtClean="0"/>
+              <a:t/>
+            </a:r>
+            <a:br>
+              <a:rPr lang="en-US" sz="1800" dirty="0" smtClean="0"/>
+            </a:br>
+            <a:r>
+              <a:rPr lang="en-US" sz="1800" dirty="0" smtClean="0"/>
+              <a:t/>
+            </a:r>
+            <a:br>
+              <a:rPr lang="en-US" sz="1800" dirty="0" smtClean="0"/>
+            </a:br>
+            <a:endParaRPr lang="en-US" sz="1800" dirty="0"/>
+          </a:p>
+        </p:txBody>
+      </p:sp>
+    </p:spTree>
+    <p:extLst>
+      <p:ext uri="{BB962C8B-B14F-4D97-AF65-F5344CB8AC3E}">
+        <p14:creationId xmlns:p14="http://schemas.microsoft.com/office/powerpoint/2010/main" val="1982761037"/>
+      </p:ext>
+    </p:extLst>
+  </p:cSld>
+  <p:clrMapOvr>
+    <a:masterClrMapping/>
+  </p:clrMapOvr>
+</p:sld>
+</file>
+
+<file path=ppt/slides/slide7.xml><?xml version="1.0" encoding="utf-8"?>
 <p:sld xmlns:a="http://schemas.openxmlformats.org/drawingml/2006/main" xmlns:r="http://schemas.openxmlformats.org/officeDocument/2006/relationships" xmlns:p="http://schemas.openxmlformats.org/presentationml/2006/main">
   <p:cSld>
     <p:spTree>
@@ -6410,7 +7092,7 @@
 </p:sld>
 </file>
 
-<file path=ppt/slides/slide4.xml><?xml version="1.0" encoding="utf-8"?>
+<file path=ppt/slides/slide8.xml><?xml version="1.0" encoding="utf-8"?>
 <p:sld xmlns:a="http://schemas.openxmlformats.org/drawingml/2006/main" xmlns:r="http://schemas.openxmlformats.org/officeDocument/2006/relationships" xmlns:p="http://schemas.openxmlformats.org/presentationml/2006/main">
   <p:cSld>
     <p:spTree>
@@ -6521,7 +7203,7 @@
 </p:sld>
 </file>
 
-<file path=ppt/slides/slide5.xml><?xml version="1.0" encoding="utf-8"?>
+<file path=ppt/slides/slide9.xml><?xml version="1.0" encoding="utf-8"?>
 <p:sld xmlns:a="http://schemas.openxmlformats.org/drawingml/2006/main" xmlns:r="http://schemas.openxmlformats.org/officeDocument/2006/relationships" xmlns:p="http://schemas.openxmlformats.org/presentationml/2006/main">
   <p:cSld>
     <p:spTree>
@@ -6602,83 +7284,6 @@
       </p:par>
     </p:tnLst>
   </p:timing>
-</p:sld>
-</file>
-
-<file path=ppt/slides/slide6.xml><?xml version="1.0" encoding="utf-8"?>
-<p:sld xmlns:a="http://schemas.openxmlformats.org/drawingml/2006/main" xmlns:r="http://schemas.openxmlformats.org/officeDocument/2006/relationships" xmlns:p="http://schemas.openxmlformats.org/presentationml/2006/main">
-  <p:cSld>
-    <p:spTree>
-      <p:nvGrpSpPr>
-        <p:cNvPr id="1" name=""/>
-        <p:cNvGrpSpPr/>
-        <p:nvPr/>
-      </p:nvGrpSpPr>
-      <p:grpSpPr>
-        <a:xfrm>
-          <a:off x="0" y="0"/>
-          <a:ext cx="0" cy="0"/>
-          <a:chOff x="0" y="0"/>
-          <a:chExt cx="0" cy="0"/>
-        </a:xfrm>
-      </p:grpSpPr>
-      <p:sp>
-        <p:nvSpPr>
-          <p:cNvPr id="2" name="Title 1"/>
-          <p:cNvSpPr>
-            <a:spLocks noGrp="1"/>
-          </p:cNvSpPr>
-          <p:nvPr>
-            <p:ph type="title"/>
-          </p:nvPr>
-        </p:nvSpPr>
-        <p:spPr/>
-        <p:txBody>
-          <a:bodyPr/>
-          <a:lstStyle/>
-          <a:p>
-            <a:r>
-              <a:rPr lang="en-US" dirty="0" smtClean="0"/>
-              <a:t>Database</a:t>
-            </a:r>
-            <a:endParaRPr lang="en-US" dirty="0"/>
-          </a:p>
-        </p:txBody>
-      </p:sp>
-      <p:pic>
-        <p:nvPicPr>
-          <p:cNvPr id="5" name="Picture 4"/>
-          <p:cNvPicPr>
-            <a:picLocks noChangeAspect="1"/>
-          </p:cNvPicPr>
-          <p:nvPr/>
-        </p:nvPicPr>
-        <p:blipFill>
-          <a:blip r:embed="rId2"/>
-          <a:stretch>
-            <a:fillRect/>
-          </a:stretch>
-        </p:blipFill>
-        <p:spPr>
-          <a:xfrm>
-            <a:off x="2264518" y="1456156"/>
-            <a:ext cx="6167907" cy="4961270"/>
-          </a:xfrm>
-          <a:prstGeom prst="rect">
-            <a:avLst/>
-          </a:prstGeom>
-        </p:spPr>
-      </p:pic>
-    </p:spTree>
-    <p:extLst>
-      <p:ext uri="{BB962C8B-B14F-4D97-AF65-F5344CB8AC3E}">
-        <p14:creationId xmlns:p14="http://schemas.microsoft.com/office/powerpoint/2010/main" val="450883063"/>
-      </p:ext>
-    </p:extLst>
-  </p:cSld>
-  <p:clrMapOvr>
-    <a:masterClrMapping/>
-  </p:clrMapOvr>
 </p:sld>
 </file>
 

--- a/presentation.pptx
+++ b/presentation.pptx
@@ -6816,7 +6816,7 @@
         </p:nvSpPr>
         <p:spPr>
           <a:xfrm>
-            <a:off x="1103312" y="2052918"/>
+            <a:off x="1104293" y="1451339"/>
             <a:ext cx="8946541" cy="4516324"/>
           </a:xfrm>
         </p:spPr>
@@ -6857,6 +6857,38 @@
           </a:p>
           <a:p>
             <a:r>
+              <a:rPr lang="en-US" b="1" dirty="0"/>
+              <a:t>Boosts DevOps efficiency</a:t>
+            </a:r>
+          </a:p>
+          <a:p>
+            <a:r>
+              <a:rPr lang="en-US" b="1" dirty="0"/>
+              <a:t>CI/CD Improves App Quality</a:t>
+            </a:r>
+          </a:p>
+          <a:p>
+            <a:r>
+              <a:rPr lang="en-US" b="1" dirty="0"/>
+              <a:t>Supports Cloud-Based App Development</a:t>
+            </a:r>
+          </a:p>
+          <a:p>
+            <a:r>
+              <a:rPr lang="en-US" b="1" dirty="0"/>
+              <a:t>Reduce Costs and Boost Profits</a:t>
+            </a:r>
+          </a:p>
+          <a:p>
+            <a:r>
+              <a:rPr lang="en-US" b="1" dirty="0"/>
+              <a:t>Gain Real-Time Visibility of the Development </a:t>
+            </a:r>
+            <a:r>
+              <a:rPr lang="en-US" b="1" dirty="0" smtClean="0"/>
+              <a:t>Process</a:t>
+            </a:r>
+            <a:r>
               <a:rPr lang="en-US" sz="1800" dirty="0"/>
               <a:t/>
             </a:r>
@@ -6893,45 +6925,32 @@
             </a:br>
             <a:r>
               <a:rPr lang="en-US" sz="1800" dirty="0"/>
-              <a:t>CI/CD </a:t>
-            </a:r>
-            <a:r>
+              <a:t/>
+            </a:r>
+            <a:br>
               <a:rPr lang="en-US" sz="1800" dirty="0"/>
-              <a:t>pipelines enable a much shorter time to market for new product features, creating happier customers and lowering strain on development.</a:t>
-            </a:r>
-          </a:p>
-          <a:p>
+            </a:br>
             <a:r>
               <a:rPr lang="en-US" sz="1800" dirty="0"/>
-              <a:t>The great increase in overall speed of delivery enabled by CI/CD pipelines improves an organization’s competitive edge.</a:t>
-            </a:r>
-          </a:p>
-          <a:p>
-            <a:r>
+              <a:t/>
+            </a:r>
+            <a:br>
               <a:rPr lang="en-US" sz="1800" dirty="0"/>
-              <a:t>Automation frees team members to focus on what they do best, yielding the best end products.</a:t>
-            </a:r>
-          </a:p>
-          <a:p>
+            </a:br>
             <a:r>
               <a:rPr lang="en-US" sz="1800" dirty="0"/>
-              <a:t>Organizations with a successful CI/CD pipeline can attract great talent. By moving away from traditional </a:t>
-            </a:r>
-            <a:r>
-              <a:rPr lang="en-US" sz="1800" dirty="0">
-                <a:hlinkClick r:id="rId2"/>
-              </a:rPr>
-              <a:t>waterfall methods</a:t>
-            </a:r>
-            <a:r>
+              <a:t/>
+            </a:r>
+            <a:br>
               <a:rPr lang="en-US" sz="1800" dirty="0"/>
-              <a:t>, engineers and developers are no longer bogged down with repetitive activities that are often highly dependent on the completion of other tasks. </a:t>
-            </a:r>
-          </a:p>
-          <a:p>
-            <a:pPr marL="0" indent="0">
-              <a:buNone/>
-            </a:pPr>
+            </a:br>
+            <a:r>
+              <a:rPr lang="en-US" sz="1800" dirty="0"/>
+              <a:t/>
+            </a:r>
+            <a:br>
+              <a:rPr lang="en-US" sz="1800" dirty="0"/>
+            </a:br>
             <a:r>
               <a:rPr lang="en-US" sz="1800" dirty="0"/>
               <a:t/>
